--- a/2. Workflow, Build Profiles and Push Profiles for Simulators and Devices Windows (Android)/Workflow, Build Profiles and Push Profiles for Simulators and Devices Windows (Android).pptx
+++ b/2. Workflow, Build Profiles and Push Profiles for Simulators and Devices Windows (Android)/Workflow, Build Profiles and Push Profiles for Simulators and Devices Windows (Android).pptx
@@ -7,14 +7,15 @@
   <p:sldIdLst>
     <p:sldId id="257" r:id="rId2"/>
     <p:sldId id="259" r:id="rId3"/>
-    <p:sldId id="265" r:id="rId4"/>
-    <p:sldId id="266" r:id="rId5"/>
-    <p:sldId id="263" r:id="rId6"/>
-    <p:sldId id="264" r:id="rId7"/>
-    <p:sldId id="262" r:id="rId8"/>
-    <p:sldId id="261" r:id="rId9"/>
-    <p:sldId id="260" r:id="rId10"/>
-    <p:sldId id="267" r:id="rId11"/>
+    <p:sldId id="263" r:id="rId4"/>
+    <p:sldId id="264" r:id="rId5"/>
+    <p:sldId id="262" r:id="rId6"/>
+    <p:sldId id="261" r:id="rId7"/>
+    <p:sldId id="260" r:id="rId8"/>
+    <p:sldId id="265" r:id="rId9"/>
+    <p:sldId id="268" r:id="rId10"/>
+    <p:sldId id="266" r:id="rId11"/>
+    <p:sldId id="267" r:id="rId12"/>
   </p:sldIdLst>
   <p:sldSz cx="12192000" cy="6858000"/>
   <p:notesSz cx="6858000" cy="9144000"/>
@@ -252,7 +253,7 @@
           <a:p>
             <a:fld id="{D582120D-3D7B-4021-BA3E-B77D97B04010}" type="datetimeFigureOut">
               <a:rPr lang="en-SG" smtClean="0"/>
-              <a:t>24/11/2018</a:t>
+              <a:t>28/11/2018</a:t>
             </a:fld>
             <a:endParaRPr lang="en-SG"/>
           </a:p>
@@ -422,7 +423,7 @@
           <a:p>
             <a:fld id="{D582120D-3D7B-4021-BA3E-B77D97B04010}" type="datetimeFigureOut">
               <a:rPr lang="en-SG" smtClean="0"/>
-              <a:t>24/11/2018</a:t>
+              <a:t>28/11/2018</a:t>
             </a:fld>
             <a:endParaRPr lang="en-SG"/>
           </a:p>
@@ -602,7 +603,7 @@
           <a:p>
             <a:fld id="{D582120D-3D7B-4021-BA3E-B77D97B04010}" type="datetimeFigureOut">
               <a:rPr lang="en-SG" smtClean="0"/>
-              <a:t>24/11/2018</a:t>
+              <a:t>28/11/2018</a:t>
             </a:fld>
             <a:endParaRPr lang="en-SG"/>
           </a:p>
@@ -772,7 +773,7 @@
           <a:p>
             <a:fld id="{D582120D-3D7B-4021-BA3E-B77D97B04010}" type="datetimeFigureOut">
               <a:rPr lang="en-SG" smtClean="0"/>
-              <a:t>24/11/2018</a:t>
+              <a:t>28/11/2018</a:t>
             </a:fld>
             <a:endParaRPr lang="en-SG"/>
           </a:p>
@@ -1018,7 +1019,7 @@
           <a:p>
             <a:fld id="{D582120D-3D7B-4021-BA3E-B77D97B04010}" type="datetimeFigureOut">
               <a:rPr lang="en-SG" smtClean="0"/>
-              <a:t>24/11/2018</a:t>
+              <a:t>28/11/2018</a:t>
             </a:fld>
             <a:endParaRPr lang="en-SG"/>
           </a:p>
@@ -1250,7 +1251,7 @@
           <a:p>
             <a:fld id="{D582120D-3D7B-4021-BA3E-B77D97B04010}" type="datetimeFigureOut">
               <a:rPr lang="en-SG" smtClean="0"/>
-              <a:t>24/11/2018</a:t>
+              <a:t>28/11/2018</a:t>
             </a:fld>
             <a:endParaRPr lang="en-SG"/>
           </a:p>
@@ -1617,7 +1618,7 @@
           <a:p>
             <a:fld id="{D582120D-3D7B-4021-BA3E-B77D97B04010}" type="datetimeFigureOut">
               <a:rPr lang="en-SG" smtClean="0"/>
-              <a:t>24/11/2018</a:t>
+              <a:t>28/11/2018</a:t>
             </a:fld>
             <a:endParaRPr lang="en-SG"/>
           </a:p>
@@ -1735,7 +1736,7 @@
           <a:p>
             <a:fld id="{D582120D-3D7B-4021-BA3E-B77D97B04010}" type="datetimeFigureOut">
               <a:rPr lang="en-SG" smtClean="0"/>
-              <a:t>24/11/2018</a:t>
+              <a:t>28/11/2018</a:t>
             </a:fld>
             <a:endParaRPr lang="en-SG"/>
           </a:p>
@@ -1830,7 +1831,7 @@
           <a:p>
             <a:fld id="{D582120D-3D7B-4021-BA3E-B77D97B04010}" type="datetimeFigureOut">
               <a:rPr lang="en-SG" smtClean="0"/>
-              <a:t>24/11/2018</a:t>
+              <a:t>28/11/2018</a:t>
             </a:fld>
             <a:endParaRPr lang="en-SG"/>
           </a:p>
@@ -2107,7 +2108,7 @@
           <a:p>
             <a:fld id="{D582120D-3D7B-4021-BA3E-B77D97B04010}" type="datetimeFigureOut">
               <a:rPr lang="en-SG" smtClean="0"/>
-              <a:t>24/11/2018</a:t>
+              <a:t>28/11/2018</a:t>
             </a:fld>
             <a:endParaRPr lang="en-SG"/>
           </a:p>
@@ -2360,7 +2361,7 @@
           <a:p>
             <a:fld id="{D582120D-3D7B-4021-BA3E-B77D97B04010}" type="datetimeFigureOut">
               <a:rPr lang="en-SG" smtClean="0"/>
-              <a:t>24/11/2018</a:t>
+              <a:t>28/11/2018</a:t>
             </a:fld>
             <a:endParaRPr lang="en-SG"/>
           </a:p>
@@ -2573,7 +2574,7 @@
           <a:p>
             <a:fld id="{D582120D-3D7B-4021-BA3E-B77D97B04010}" type="datetimeFigureOut">
               <a:rPr lang="en-SG" smtClean="0"/>
-              <a:t>24/11/2018</a:t>
+              <a:t>28/11/2018</a:t>
             </a:fld>
             <a:endParaRPr lang="en-SG"/>
           </a:p>
@@ -3306,591 +3307,11 @@
         </p:nvSpPr>
         <p:spPr/>
         <p:txBody>
-          <a:bodyPr>
-            <a:normAutofit fontScale="90000"/>
-          </a:bodyPr>
-          <a:lstStyle/>
-          <a:p>
-            <a:r>
-              <a:rPr lang="en-SG" dirty="0"/>
-              <a:t>Command: ionic emulate android / ionic run android </a:t>
-            </a:r>
-            <a:br>
-              <a:rPr lang="en-SG" dirty="0"/>
-            </a:br>
-            <a:endParaRPr lang="en-SG" dirty="0"/>
-          </a:p>
-        </p:txBody>
-      </p:sp>
-      <p:sp>
-        <p:nvSpPr>
-          <p:cNvPr id="7" name="Text Placeholder 6"/>
-          <p:cNvSpPr>
-            <a:spLocks noGrp="1"/>
-          </p:cNvSpPr>
-          <p:nvPr>
-            <p:ph type="body" sz="quarter" idx="3"/>
-          </p:nvPr>
-        </p:nvSpPr>
-        <p:spPr>
-          <a:xfrm>
-            <a:off x="2346306" y="1568967"/>
-            <a:ext cx="5183188" cy="823912"/>
-          </a:xfrm>
-        </p:spPr>
-        <p:txBody>
-          <a:bodyPr/>
-          <a:lstStyle/>
-          <a:p>
-            <a:r>
-              <a:rPr lang="en-SG" dirty="0"/>
-              <a:t>Running </a:t>
-            </a:r>
-            <a:r>
-              <a:rPr lang="en-SG"/>
-              <a:t>on a device</a:t>
-            </a:r>
-            <a:endParaRPr lang="en-SG" dirty="0"/>
-          </a:p>
-        </p:txBody>
-      </p:sp>
-      <p:sp>
-        <p:nvSpPr>
-          <p:cNvPr id="8" name="Content Placeholder 7"/>
-          <p:cNvSpPr>
-            <a:spLocks noGrp="1"/>
-          </p:cNvSpPr>
-          <p:nvPr>
-            <p:ph sz="quarter" idx="4"/>
-          </p:nvPr>
-        </p:nvSpPr>
-        <p:spPr>
-          <a:xfrm>
-            <a:off x="2346306" y="2392879"/>
-            <a:ext cx="5183188" cy="3684588"/>
-          </a:xfrm>
-        </p:spPr>
-        <p:txBody>
-          <a:bodyPr/>
-          <a:lstStyle/>
-          <a:p>
-            <a:endParaRPr lang="en-SG"/>
-          </a:p>
-        </p:txBody>
-      </p:sp>
-      <p:pic>
-        <p:nvPicPr>
-          <p:cNvPr id="4" name="Picture 3"/>
-          <p:cNvPicPr>
-            <a:picLocks noChangeAspect="1"/>
-          </p:cNvPicPr>
-          <p:nvPr/>
-        </p:nvPicPr>
-        <p:blipFill>
-          <a:blip r:embed="rId2"/>
-          <a:stretch>
-            <a:fillRect/>
-          </a:stretch>
-        </p:blipFill>
-        <p:spPr>
-          <a:xfrm>
-            <a:off x="3795537" y="2459196"/>
-            <a:ext cx="1778223" cy="3551954"/>
-          </a:xfrm>
-          <a:prstGeom prst="rect">
-            <a:avLst/>
-          </a:prstGeom>
-        </p:spPr>
-      </p:pic>
-      <p:sp>
-        <p:nvSpPr>
-          <p:cNvPr id="9" name="Text Placeholder 4"/>
-          <p:cNvSpPr txBox="1">
-            <a:spLocks/>
-          </p:cNvSpPr>
-          <p:nvPr/>
-        </p:nvSpPr>
-        <p:spPr>
-          <a:xfrm>
-            <a:off x="927100" y="1305168"/>
-            <a:ext cx="6982069" cy="546649"/>
-          </a:xfrm>
-          <a:prstGeom prst="rect">
-            <a:avLst/>
-          </a:prstGeom>
-        </p:spPr>
-        <p:txBody>
-          <a:bodyPr vert="horz" lIns="91440" tIns="45720" rIns="91440" bIns="45720" rtlCol="0" anchor="b">
-            <a:normAutofit/>
-          </a:bodyPr>
-          <a:lstStyle>
-            <a:lvl1pPr marL="0" indent="0" algn="l" defTabSz="914400" rtl="0" eaLnBrk="1" latinLnBrk="0" hangingPunct="1">
-              <a:lnSpc>
-                <a:spcPct val="90000"/>
-              </a:lnSpc>
-              <a:spcBef>
-                <a:spcPts val="1000"/>
-              </a:spcBef>
-              <a:buFont typeface="Arial" panose="020B0604020202020204" pitchFamily="34" charset="0"/>
-              <a:buNone/>
-              <a:defRPr sz="2400" b="1" kern="1200">
-                <a:solidFill>
-                  <a:schemeClr val="tx1"/>
-                </a:solidFill>
-                <a:latin typeface="+mn-lt"/>
-                <a:ea typeface="+mn-ea"/>
-                <a:cs typeface="+mn-cs"/>
-              </a:defRPr>
-            </a:lvl1pPr>
-            <a:lvl2pPr marL="457200" indent="0" algn="l" defTabSz="914400" rtl="0" eaLnBrk="1" latinLnBrk="0" hangingPunct="1">
-              <a:lnSpc>
-                <a:spcPct val="90000"/>
-              </a:lnSpc>
-              <a:spcBef>
-                <a:spcPts val="500"/>
-              </a:spcBef>
-              <a:buFont typeface="Arial" panose="020B0604020202020204" pitchFamily="34" charset="0"/>
-              <a:buNone/>
-              <a:defRPr sz="2000" b="1" kern="1200">
-                <a:solidFill>
-                  <a:schemeClr val="tx1"/>
-                </a:solidFill>
-                <a:latin typeface="+mn-lt"/>
-                <a:ea typeface="+mn-ea"/>
-                <a:cs typeface="+mn-cs"/>
-              </a:defRPr>
-            </a:lvl2pPr>
-            <a:lvl3pPr marL="914400" indent="0" algn="l" defTabSz="914400" rtl="0" eaLnBrk="1" latinLnBrk="0" hangingPunct="1">
-              <a:lnSpc>
-                <a:spcPct val="90000"/>
-              </a:lnSpc>
-              <a:spcBef>
-                <a:spcPts val="500"/>
-              </a:spcBef>
-              <a:buFont typeface="Arial" panose="020B0604020202020204" pitchFamily="34" charset="0"/>
-              <a:buNone/>
-              <a:defRPr sz="1800" b="1" kern="1200">
-                <a:solidFill>
-                  <a:schemeClr val="tx1"/>
-                </a:solidFill>
-                <a:latin typeface="+mn-lt"/>
-                <a:ea typeface="+mn-ea"/>
-                <a:cs typeface="+mn-cs"/>
-              </a:defRPr>
-            </a:lvl3pPr>
-            <a:lvl4pPr marL="1371600" indent="0" algn="l" defTabSz="914400" rtl="0" eaLnBrk="1" latinLnBrk="0" hangingPunct="1">
-              <a:lnSpc>
-                <a:spcPct val="90000"/>
-              </a:lnSpc>
-              <a:spcBef>
-                <a:spcPts val="500"/>
-              </a:spcBef>
-              <a:buFont typeface="Arial" panose="020B0604020202020204" pitchFamily="34" charset="0"/>
-              <a:buNone/>
-              <a:defRPr sz="1600" b="1" kern="1200">
-                <a:solidFill>
-                  <a:schemeClr val="tx1"/>
-                </a:solidFill>
-                <a:latin typeface="+mn-lt"/>
-                <a:ea typeface="+mn-ea"/>
-                <a:cs typeface="+mn-cs"/>
-              </a:defRPr>
-            </a:lvl4pPr>
-            <a:lvl5pPr marL="1828800" indent="0" algn="l" defTabSz="914400" rtl="0" eaLnBrk="1" latinLnBrk="0" hangingPunct="1">
-              <a:lnSpc>
-                <a:spcPct val="90000"/>
-              </a:lnSpc>
-              <a:spcBef>
-                <a:spcPts val="500"/>
-              </a:spcBef>
-              <a:buFont typeface="Arial" panose="020B0604020202020204" pitchFamily="34" charset="0"/>
-              <a:buNone/>
-              <a:defRPr sz="1600" b="1" kern="1200">
-                <a:solidFill>
-                  <a:schemeClr val="tx1"/>
-                </a:solidFill>
-                <a:latin typeface="+mn-lt"/>
-                <a:ea typeface="+mn-ea"/>
-                <a:cs typeface="+mn-cs"/>
-              </a:defRPr>
-            </a:lvl5pPr>
-            <a:lvl6pPr marL="2286000" indent="0" algn="l" defTabSz="914400" rtl="0" eaLnBrk="1" latinLnBrk="0" hangingPunct="1">
-              <a:lnSpc>
-                <a:spcPct val="90000"/>
-              </a:lnSpc>
-              <a:spcBef>
-                <a:spcPts val="500"/>
-              </a:spcBef>
-              <a:buFont typeface="Arial" panose="020B0604020202020204" pitchFamily="34" charset="0"/>
-              <a:buNone/>
-              <a:defRPr sz="1600" b="1" kern="1200">
-                <a:solidFill>
-                  <a:schemeClr val="tx1"/>
-                </a:solidFill>
-                <a:latin typeface="+mn-lt"/>
-                <a:ea typeface="+mn-ea"/>
-                <a:cs typeface="+mn-cs"/>
-              </a:defRPr>
-            </a:lvl6pPr>
-            <a:lvl7pPr marL="2743200" indent="0" algn="l" defTabSz="914400" rtl="0" eaLnBrk="1" latinLnBrk="0" hangingPunct="1">
-              <a:lnSpc>
-                <a:spcPct val="90000"/>
-              </a:lnSpc>
-              <a:spcBef>
-                <a:spcPts val="500"/>
-              </a:spcBef>
-              <a:buFont typeface="Arial" panose="020B0604020202020204" pitchFamily="34" charset="0"/>
-              <a:buNone/>
-              <a:defRPr sz="1600" b="1" kern="1200">
-                <a:solidFill>
-                  <a:schemeClr val="tx1"/>
-                </a:solidFill>
-                <a:latin typeface="+mn-lt"/>
-                <a:ea typeface="+mn-ea"/>
-                <a:cs typeface="+mn-cs"/>
-              </a:defRPr>
-            </a:lvl7pPr>
-            <a:lvl8pPr marL="3200400" indent="0" algn="l" defTabSz="914400" rtl="0" eaLnBrk="1" latinLnBrk="0" hangingPunct="1">
-              <a:lnSpc>
-                <a:spcPct val="90000"/>
-              </a:lnSpc>
-              <a:spcBef>
-                <a:spcPts val="500"/>
-              </a:spcBef>
-              <a:buFont typeface="Arial" panose="020B0604020202020204" pitchFamily="34" charset="0"/>
-              <a:buNone/>
-              <a:defRPr sz="1600" b="1" kern="1200">
-                <a:solidFill>
-                  <a:schemeClr val="tx1"/>
-                </a:solidFill>
-                <a:latin typeface="+mn-lt"/>
-                <a:ea typeface="+mn-ea"/>
-                <a:cs typeface="+mn-cs"/>
-              </a:defRPr>
-            </a:lvl8pPr>
-            <a:lvl9pPr marL="3657600" indent="0" algn="l" defTabSz="914400" rtl="0" eaLnBrk="1" latinLnBrk="0" hangingPunct="1">
-              <a:lnSpc>
-                <a:spcPct val="90000"/>
-              </a:lnSpc>
-              <a:spcBef>
-                <a:spcPts val="500"/>
-              </a:spcBef>
-              <a:buFont typeface="Arial" panose="020B0604020202020204" pitchFamily="34" charset="0"/>
-              <a:buNone/>
-              <a:defRPr sz="1600" b="1" kern="1200">
-                <a:solidFill>
-                  <a:schemeClr val="tx1"/>
-                </a:solidFill>
-                <a:latin typeface="+mn-lt"/>
-                <a:ea typeface="+mn-ea"/>
-                <a:cs typeface="+mn-cs"/>
-              </a:defRPr>
-            </a:lvl9pPr>
-          </a:lstStyle>
-          <a:p>
-            <a:r>
-              <a:rPr lang="en-SG" b="0" dirty="0"/>
-              <a:t>Build and push profile to device and emulator</a:t>
-            </a:r>
-          </a:p>
-        </p:txBody>
-      </p:sp>
-    </p:spTree>
-    <p:extLst>
-      <p:ext uri="{BB962C8B-B14F-4D97-AF65-F5344CB8AC3E}">
-        <p14:creationId xmlns:p14="http://schemas.microsoft.com/office/powerpoint/2010/main" val="3998152330"/>
-      </p:ext>
-    </p:extLst>
-  </p:cSld>
-  <p:clrMapOvr>
-    <a:masterClrMapping/>
-  </p:clrMapOvr>
-</p:sld>
-</file>
-
-<file path=ppt/slides/slide2.xml><?xml version="1.0" encoding="utf-8"?>
-<p:sld xmlns:a="http://schemas.openxmlformats.org/drawingml/2006/main" xmlns:r="http://schemas.openxmlformats.org/officeDocument/2006/relationships" xmlns:p="http://schemas.openxmlformats.org/presentationml/2006/main">
-  <p:cSld>
-    <p:spTree>
-      <p:nvGrpSpPr>
-        <p:cNvPr id="1" name=""/>
-        <p:cNvGrpSpPr/>
-        <p:nvPr/>
-      </p:nvGrpSpPr>
-      <p:grpSpPr>
-        <a:xfrm>
-          <a:off x="0" y="0"/>
-          <a:ext cx="0" cy="0"/>
-          <a:chOff x="0" y="0"/>
-          <a:chExt cx="0" cy="0"/>
-        </a:xfrm>
-      </p:grpSpPr>
-      <p:sp>
-        <p:nvSpPr>
-          <p:cNvPr id="2" name="Title 1">
-            <a:extLst>
-              <a:ext uri="{FF2B5EF4-FFF2-40B4-BE49-F238E27FC236}">
-                <a16:creationId xmlns:a16="http://schemas.microsoft.com/office/drawing/2014/main" id="{5D09FF29-C8E0-5B43-9DB4-876C438F4C13}"/>
-              </a:ext>
-            </a:extLst>
-          </p:cNvPr>
-          <p:cNvSpPr>
-            <a:spLocks noGrp="1"/>
-          </p:cNvSpPr>
-          <p:nvPr>
-            <p:ph type="title"/>
-          </p:nvPr>
-        </p:nvSpPr>
-        <p:spPr/>
-        <p:txBody>
-          <a:bodyPr/>
-          <a:lstStyle/>
-          <a:p>
-            <a:r>
-              <a:rPr lang="en-US" dirty="0">
-                <a:latin typeface="Helvetica" pitchFamily="2" charset="0"/>
-              </a:rPr>
-              <a:t>Introduction </a:t>
-            </a:r>
-          </a:p>
-        </p:txBody>
-      </p:sp>
-      <p:sp>
-        <p:nvSpPr>
-          <p:cNvPr id="3" name="Content Placeholder 2">
-            <a:extLst>
-              <a:ext uri="{FF2B5EF4-FFF2-40B4-BE49-F238E27FC236}">
-                <a16:creationId xmlns:a16="http://schemas.microsoft.com/office/drawing/2014/main" id="{E4D82A21-998C-B944-8459-2D197F8C1C9D}"/>
-              </a:ext>
-            </a:extLst>
-          </p:cNvPr>
-          <p:cNvSpPr>
-            <a:spLocks noGrp="1"/>
-          </p:cNvSpPr>
-          <p:nvPr>
-            <p:ph idx="1"/>
-          </p:nvPr>
-        </p:nvSpPr>
-        <p:spPr/>
-        <p:txBody>
-          <a:bodyPr/>
-          <a:lstStyle/>
-          <a:p>
-            <a:r>
-              <a:rPr lang="en-US" dirty="0">
-                <a:latin typeface="Helvetica Neue" panose="02000503000000020004" pitchFamily="2" charset="0"/>
-                <a:ea typeface="Helvetica Neue" panose="02000503000000020004" pitchFamily="2" charset="0"/>
-                <a:cs typeface="Helvetica Neue" panose="02000503000000020004" pitchFamily="2" charset="0"/>
-              </a:rPr>
-              <a:t>Preparing Emulator or devices</a:t>
-            </a:r>
-          </a:p>
-          <a:p>
-            <a:r>
-              <a:rPr lang="en-US" dirty="0">
-                <a:latin typeface="Helvetica Neue" panose="02000503000000020004" pitchFamily="2" charset="0"/>
-                <a:ea typeface="Helvetica Neue" panose="02000503000000020004" pitchFamily="2" charset="0"/>
-                <a:cs typeface="Helvetica Neue" panose="02000503000000020004" pitchFamily="2" charset="0"/>
-              </a:rPr>
-              <a:t>Adding the platform to the project</a:t>
-            </a:r>
-          </a:p>
-          <a:p>
-            <a:r>
-              <a:rPr lang="en-US" dirty="0">
-                <a:latin typeface="Helvetica Neue" panose="02000503000000020004" pitchFamily="2" charset="0"/>
-                <a:ea typeface="Helvetica Neue" panose="02000503000000020004" pitchFamily="2" charset="0"/>
-                <a:cs typeface="Helvetica Neue" panose="02000503000000020004" pitchFamily="2" charset="0"/>
-              </a:rPr>
-              <a:t>Checking the project requirements</a:t>
-            </a:r>
-          </a:p>
-          <a:p>
-            <a:r>
-              <a:rPr lang="en-US" dirty="0">
-                <a:latin typeface="Helvetica Neue" panose="02000503000000020004" pitchFamily="2" charset="0"/>
-                <a:ea typeface="Helvetica Neue" panose="02000503000000020004" pitchFamily="2" charset="0"/>
-                <a:cs typeface="Helvetica Neue" panose="02000503000000020004" pitchFamily="2" charset="0"/>
-              </a:rPr>
-              <a:t>Building Profiles and Push Profiles (Deployed to emulator or device)</a:t>
-            </a:r>
-          </a:p>
-          <a:p>
-            <a:endParaRPr lang="en-US" dirty="0">
-              <a:latin typeface="Helvetica Neue" panose="02000503000000020004" pitchFamily="2" charset="0"/>
-              <a:ea typeface="Helvetica Neue" panose="02000503000000020004" pitchFamily="2" charset="0"/>
-              <a:cs typeface="Helvetica Neue" panose="02000503000000020004" pitchFamily="2" charset="0"/>
-            </a:endParaRPr>
-          </a:p>
-        </p:txBody>
-      </p:sp>
-    </p:spTree>
-    <p:extLst>
-      <p:ext uri="{BB962C8B-B14F-4D97-AF65-F5344CB8AC3E}">
-        <p14:creationId xmlns:p14="http://schemas.microsoft.com/office/powerpoint/2010/main" val="636320602"/>
-      </p:ext>
-    </p:extLst>
-  </p:cSld>
-  <p:clrMapOvr>
-    <a:masterClrMapping/>
-  </p:clrMapOvr>
-</p:sld>
-</file>
-
-<file path=ppt/slides/slide3.xml><?xml version="1.0" encoding="utf-8"?>
-<p:sld xmlns:a="http://schemas.openxmlformats.org/drawingml/2006/main" xmlns:r="http://schemas.openxmlformats.org/officeDocument/2006/relationships" xmlns:p="http://schemas.openxmlformats.org/presentationml/2006/main">
-  <p:cSld>
-    <p:spTree>
-      <p:nvGrpSpPr>
-        <p:cNvPr id="1" name=""/>
-        <p:cNvGrpSpPr/>
-        <p:nvPr/>
-      </p:nvGrpSpPr>
-      <p:grpSpPr>
-        <a:xfrm>
-          <a:off x="0" y="0"/>
-          <a:ext cx="0" cy="0"/>
-          <a:chOff x="0" y="0"/>
-          <a:chExt cx="0" cy="0"/>
-        </a:xfrm>
-      </p:grpSpPr>
-      <p:sp>
-        <p:nvSpPr>
-          <p:cNvPr id="2" name="Title 1"/>
-          <p:cNvSpPr>
-            <a:spLocks noGrp="1"/>
-          </p:cNvSpPr>
-          <p:nvPr>
-            <p:ph type="title"/>
-          </p:nvPr>
-        </p:nvSpPr>
-        <p:spPr/>
-        <p:txBody>
-          <a:bodyPr/>
-          <a:lstStyle/>
-          <a:p>
-            <a:r>
-              <a:rPr lang="en-SG" dirty="0"/>
-              <a:t>Preparing emulator (GUI)</a:t>
-            </a:r>
-          </a:p>
-        </p:txBody>
-      </p:sp>
-      <p:sp>
-        <p:nvSpPr>
-          <p:cNvPr id="3" name="Content Placeholder 2"/>
-          <p:cNvSpPr>
-            <a:spLocks noGrp="1"/>
-          </p:cNvSpPr>
-          <p:nvPr>
-            <p:ph idx="1"/>
-          </p:nvPr>
-        </p:nvSpPr>
-        <p:spPr/>
-        <p:txBody>
-          <a:bodyPr/>
-          <a:lstStyle/>
-          <a:p>
-            <a:r>
-              <a:rPr lang="en-SG" dirty="0"/>
-              <a:t>Open an </a:t>
-            </a:r>
+          <a:bodyPr/>
+          <a:lstStyle/>
+          <a:p>
             <a:r>
               <a:rPr lang="en-SG" b="1" dirty="0"/>
-              <a:t>Android Studio Project</a:t>
-            </a:r>
-          </a:p>
-          <a:p>
-            <a:r>
-              <a:rPr lang="en-SG" dirty="0"/>
-              <a:t>Select Tools &gt; AVD Manager</a:t>
-            </a:r>
-          </a:p>
-          <a:p>
-            <a:r>
-              <a:rPr lang="en-SG" dirty="0"/>
-              <a:t>Create a new emulator</a:t>
-            </a:r>
-          </a:p>
-          <a:p>
-            <a:r>
-              <a:rPr lang="en-SG" dirty="0"/>
-              <a:t>Launch emulator</a:t>
-            </a:r>
-          </a:p>
-        </p:txBody>
-      </p:sp>
-      <p:pic>
-        <p:nvPicPr>
-          <p:cNvPr id="5" name="Picture 4"/>
-          <p:cNvPicPr>
-            <a:picLocks noChangeAspect="1"/>
-          </p:cNvPicPr>
-          <p:nvPr/>
-        </p:nvPicPr>
-        <p:blipFill>
-          <a:blip r:embed="rId2"/>
-          <a:stretch>
-            <a:fillRect/>
-          </a:stretch>
-        </p:blipFill>
-        <p:spPr>
-          <a:xfrm>
-            <a:off x="5348570" y="2316956"/>
-            <a:ext cx="6091199" cy="3368675"/>
-          </a:xfrm>
-          <a:prstGeom prst="rect">
-            <a:avLst/>
-          </a:prstGeom>
-        </p:spPr>
-      </p:pic>
-    </p:spTree>
-    <p:extLst>
-      <p:ext uri="{BB962C8B-B14F-4D97-AF65-F5344CB8AC3E}">
-        <p14:creationId xmlns:p14="http://schemas.microsoft.com/office/powerpoint/2010/main" val="2740417414"/>
-      </p:ext>
-    </p:extLst>
-  </p:cSld>
-  <p:clrMapOvr>
-    <a:masterClrMapping/>
-  </p:clrMapOvr>
-</p:sld>
-</file>
-
-<file path=ppt/slides/slide4.xml><?xml version="1.0" encoding="utf-8"?>
-<p:sld xmlns:a="http://schemas.openxmlformats.org/drawingml/2006/main" xmlns:r="http://schemas.openxmlformats.org/officeDocument/2006/relationships" xmlns:p="http://schemas.openxmlformats.org/presentationml/2006/main">
-  <p:cSld>
-    <p:spTree>
-      <p:nvGrpSpPr>
-        <p:cNvPr id="1" name=""/>
-        <p:cNvGrpSpPr/>
-        <p:nvPr/>
-      </p:nvGrpSpPr>
-      <p:grpSpPr>
-        <a:xfrm>
-          <a:off x="0" y="0"/>
-          <a:ext cx="0" cy="0"/>
-          <a:chOff x="0" y="0"/>
-          <a:chExt cx="0" cy="0"/>
-        </a:xfrm>
-      </p:grpSpPr>
-      <p:sp>
-        <p:nvSpPr>
-          <p:cNvPr id="2" name="Title 1"/>
-          <p:cNvSpPr>
-            <a:spLocks noGrp="1"/>
-          </p:cNvSpPr>
-          <p:nvPr>
-            <p:ph type="title"/>
-          </p:nvPr>
-        </p:nvSpPr>
-        <p:spPr/>
-        <p:txBody>
-          <a:bodyPr/>
-          <a:lstStyle/>
-          <a:p>
-            <a:r>
-              <a:rPr lang="en-SG" dirty="0"/>
               <a:t>Preparing device</a:t>
             </a:r>
           </a:p>
@@ -3997,7 +3418,7 @@
 </p:sld>
 </file>
 
-<file path=ppt/slides/slide5.xml><?xml version="1.0" encoding="utf-8"?>
+<file path=ppt/slides/slide11.xml><?xml version="1.0" encoding="utf-8"?>
 <p:sld xmlns:a="http://schemas.openxmlformats.org/drawingml/2006/main" xmlns:r="http://schemas.openxmlformats.org/officeDocument/2006/relationships" xmlns:p="http://schemas.openxmlformats.org/presentationml/2006/main">
   <p:cSld>
     <p:spTree>
@@ -4026,164 +3447,143 @@
         </p:nvSpPr>
         <p:spPr/>
         <p:txBody>
-          <a:bodyPr/>
-          <a:lstStyle/>
-          <a:p>
-            <a:r>
+          <a:bodyPr>
+            <a:normAutofit fontScale="90000"/>
+          </a:bodyPr>
+          <a:lstStyle/>
+          <a:p>
+            <a:br>
               <a:rPr lang="en-SG" dirty="0"/>
-              <a:t>Open CMD or </a:t>
-            </a:r>
-            <a:r>
-              <a:rPr lang="en-SG" dirty="0" err="1"/>
-              <a:t>Powershell</a:t>
-            </a:r>
-            <a:r>
-              <a:rPr lang="en-SG" dirty="0"/>
-              <a:t> and navigate to project directory</a:t>
-            </a:r>
-          </a:p>
-        </p:txBody>
-      </p:sp>
-      <p:sp>
-        <p:nvSpPr>
-          <p:cNvPr id="3" name="Content Placeholder 2"/>
-          <p:cNvSpPr>
-            <a:spLocks noGrp="1"/>
-          </p:cNvSpPr>
-          <p:nvPr>
-            <p:ph idx="1"/>
-          </p:nvPr>
-        </p:nvSpPr>
-        <p:spPr/>
-        <p:txBody>
-          <a:bodyPr>
-            <a:normAutofit lnSpcReduction="10000"/>
-          </a:bodyPr>
-          <a:lstStyle/>
-          <a:p>
+            </a:br>
             <a:r>
               <a:rPr lang="en-US" dirty="0">
                 <a:latin typeface="Helvetica Neue" panose="02000503000000020004" pitchFamily="2" charset="0"/>
                 <a:ea typeface="Helvetica Neue" panose="02000503000000020004" pitchFamily="2" charset="0"/>
                 <a:cs typeface="Helvetica Neue" panose="02000503000000020004" pitchFamily="2" charset="0"/>
               </a:rPr>
-              <a:t>Open Explorer and navigate to the project</a:t>
-            </a:r>
-          </a:p>
-          <a:p>
-            <a:r>
+              <a:t>Building Profiles and Push Profiles (Deployed to emulator or device)</a:t>
+            </a:r>
+            <a:br>
               <a:rPr lang="en-US" dirty="0">
                 <a:latin typeface="Helvetica Neue" panose="02000503000000020004" pitchFamily="2" charset="0"/>
                 <a:ea typeface="Helvetica Neue" panose="02000503000000020004" pitchFamily="2" charset="0"/>
                 <a:cs typeface="Helvetica Neue" panose="02000503000000020004" pitchFamily="2" charset="0"/>
               </a:rPr>
-              <a:t>Shift + right-click </a:t>
-            </a:r>
-          </a:p>
-          <a:p>
-            <a:r>
-              <a:rPr lang="en-US" dirty="0">
-                <a:latin typeface="Helvetica Neue" panose="02000503000000020004" pitchFamily="2" charset="0"/>
-                <a:ea typeface="Helvetica Neue" panose="02000503000000020004" pitchFamily="2" charset="0"/>
-                <a:cs typeface="Helvetica Neue" panose="02000503000000020004" pitchFamily="2" charset="0"/>
-              </a:rPr>
-              <a:t>Choose ‘open command window here’ or  ‘open </a:t>
-            </a:r>
-            <a:r>
-              <a:rPr lang="en-US" dirty="0" err="1">
-                <a:latin typeface="Helvetica Neue" panose="02000503000000020004" pitchFamily="2" charset="0"/>
-                <a:ea typeface="Helvetica Neue" panose="02000503000000020004" pitchFamily="2" charset="0"/>
-                <a:cs typeface="Helvetica Neue" panose="02000503000000020004" pitchFamily="2" charset="0"/>
-              </a:rPr>
-              <a:t>powershell</a:t>
-            </a:r>
-            <a:r>
-              <a:rPr lang="en-US" dirty="0">
-                <a:latin typeface="Helvetica Neue" panose="02000503000000020004" pitchFamily="2" charset="0"/>
-                <a:ea typeface="Helvetica Neue" panose="02000503000000020004" pitchFamily="2" charset="0"/>
-                <a:cs typeface="Helvetica Neue" panose="02000503000000020004" pitchFamily="2" charset="0"/>
-              </a:rPr>
-              <a:t> window here’</a:t>
-            </a:r>
-          </a:p>
-          <a:p>
-            <a:endParaRPr lang="en-US" dirty="0">
-              <a:latin typeface="Helvetica Neue" panose="02000503000000020004" pitchFamily="2" charset="0"/>
-              <a:ea typeface="Helvetica Neue" panose="02000503000000020004" pitchFamily="2" charset="0"/>
-              <a:cs typeface="Helvetica Neue" panose="02000503000000020004" pitchFamily="2" charset="0"/>
-            </a:endParaRPr>
-          </a:p>
-          <a:p>
-            <a:pPr marL="0" indent="0">
-              <a:buNone/>
-            </a:pPr>
-            <a:r>
-              <a:rPr lang="en-US" dirty="0">
-                <a:latin typeface="Helvetica Neue" panose="02000503000000020004" pitchFamily="2" charset="0"/>
-                <a:ea typeface="Helvetica Neue" panose="02000503000000020004" pitchFamily="2" charset="0"/>
-                <a:cs typeface="Helvetica Neue" panose="02000503000000020004" pitchFamily="2" charset="0"/>
-              </a:rPr>
-              <a:t>For advanced user (windows 8 and later)</a:t>
-            </a:r>
-          </a:p>
-          <a:p>
-            <a:r>
-              <a:rPr lang="en-US" dirty="0">
-                <a:latin typeface="Helvetica Neue" panose="02000503000000020004" pitchFamily="2" charset="0"/>
-                <a:ea typeface="Helvetica Neue" panose="02000503000000020004" pitchFamily="2" charset="0"/>
-                <a:cs typeface="Helvetica Neue" panose="02000503000000020004" pitchFamily="2" charset="0"/>
-              </a:rPr>
-              <a:t>Press Window + X</a:t>
-            </a:r>
-          </a:p>
-          <a:p>
-            <a:r>
-              <a:rPr lang="en-US" dirty="0">
-                <a:latin typeface="Helvetica Neue" panose="02000503000000020004" pitchFamily="2" charset="0"/>
-                <a:ea typeface="Helvetica Neue" panose="02000503000000020004" pitchFamily="2" charset="0"/>
-                <a:cs typeface="Helvetica Neue" panose="02000503000000020004" pitchFamily="2" charset="0"/>
-              </a:rPr>
-              <a:t>Press A</a:t>
-            </a:r>
-          </a:p>
-          <a:p>
-            <a:r>
-              <a:rPr lang="en-US" dirty="0">
-                <a:latin typeface="Helvetica Neue" panose="02000503000000020004" pitchFamily="2" charset="0"/>
-                <a:ea typeface="Helvetica Neue" panose="02000503000000020004" pitchFamily="2" charset="0"/>
-                <a:cs typeface="Helvetica Neue" panose="02000503000000020004" pitchFamily="2" charset="0"/>
-              </a:rPr>
-              <a:t>Cd &lt;</a:t>
-            </a:r>
-            <a:r>
-              <a:rPr lang="en-US" dirty="0" err="1">
-                <a:latin typeface="Helvetica Neue" panose="02000503000000020004" pitchFamily="2" charset="0"/>
-                <a:ea typeface="Helvetica Neue" panose="02000503000000020004" pitchFamily="2" charset="0"/>
-                <a:cs typeface="Helvetica Neue" panose="02000503000000020004" pitchFamily="2" charset="0"/>
-              </a:rPr>
-              <a:t>project_directory</a:t>
-            </a:r>
-            <a:r>
-              <a:rPr lang="en-US" dirty="0">
-                <a:latin typeface="Helvetica Neue" panose="02000503000000020004" pitchFamily="2" charset="0"/>
-                <a:ea typeface="Helvetica Neue" panose="02000503000000020004" pitchFamily="2" charset="0"/>
-                <a:cs typeface="Helvetica Neue" panose="02000503000000020004" pitchFamily="2" charset="0"/>
-              </a:rPr>
-              <a:t>&gt; </a:t>
-            </a:r>
-          </a:p>
-          <a:p>
-            <a:pPr marL="0" indent="0">
-              <a:buNone/>
-            </a:pPr>
+            </a:br>
+            <a:br>
+              <a:rPr lang="en-SG" dirty="0"/>
+            </a:br>
             <a:endParaRPr lang="en-SG" dirty="0"/>
           </a:p>
         </p:txBody>
       </p:sp>
+      <p:sp>
+        <p:nvSpPr>
+          <p:cNvPr id="7" name="Text Placeholder 6"/>
+          <p:cNvSpPr>
+            <a:spLocks noGrp="1"/>
+          </p:cNvSpPr>
+          <p:nvPr>
+            <p:ph type="body" sz="quarter" idx="3"/>
+          </p:nvPr>
+        </p:nvSpPr>
+        <p:spPr>
+          <a:xfrm>
+            <a:off x="8365252" y="1356090"/>
+            <a:ext cx="3263969" cy="823912"/>
+          </a:xfrm>
+        </p:spPr>
+        <p:txBody>
+          <a:bodyPr/>
+          <a:lstStyle/>
+          <a:p>
+            <a:r>
+              <a:rPr lang="en-SG" dirty="0"/>
+              <a:t>Running on a device</a:t>
+            </a:r>
+          </a:p>
+        </p:txBody>
+      </p:sp>
+      <p:sp>
+        <p:nvSpPr>
+          <p:cNvPr id="8" name="Content Placeholder 7"/>
+          <p:cNvSpPr>
+            <a:spLocks noGrp="1"/>
+          </p:cNvSpPr>
+          <p:nvPr>
+            <p:ph sz="quarter" idx="4"/>
+          </p:nvPr>
+        </p:nvSpPr>
+        <p:spPr>
+          <a:xfrm>
+            <a:off x="748602" y="2278325"/>
+            <a:ext cx="6780892" cy="3799142"/>
+          </a:xfrm>
+        </p:spPr>
+        <p:txBody>
+          <a:bodyPr/>
+          <a:lstStyle/>
+          <a:p>
+            <a:r>
+              <a:rPr lang="en-US" dirty="0"/>
+              <a:t>Comma</a:t>
+            </a:r>
+            <a:r>
+              <a:rPr lang="en-SG" dirty="0" err="1"/>
+              <a:t>nd</a:t>
+            </a:r>
+            <a:r>
+              <a:rPr lang="en-SG" dirty="0"/>
+              <a:t>: ionic </a:t>
+            </a:r>
+            <a:r>
+              <a:rPr lang="en-SG" dirty="0" err="1"/>
+              <a:t>cordova</a:t>
+            </a:r>
+            <a:r>
+              <a:rPr lang="en-SG" dirty="0"/>
+              <a:t> run android / ionic emulate android</a:t>
+            </a:r>
+          </a:p>
+          <a:p>
+            <a:r>
+              <a:rPr lang="en-SG" dirty="0"/>
+              <a:t>Build and push profile to device and emulator</a:t>
+            </a:r>
+          </a:p>
+          <a:p>
+            <a:endParaRPr lang="en-SG" dirty="0"/>
+          </a:p>
+        </p:txBody>
+      </p:sp>
+      <p:pic>
+        <p:nvPicPr>
+          <p:cNvPr id="4" name="Picture 3"/>
+          <p:cNvPicPr>
+            <a:picLocks noChangeAspect="1"/>
+          </p:cNvPicPr>
+          <p:nvPr/>
+        </p:nvPicPr>
+        <p:blipFill>
+          <a:blip r:embed="rId2"/>
+          <a:stretch>
+            <a:fillRect/>
+          </a:stretch>
+        </p:blipFill>
+        <p:spPr>
+          <a:xfrm>
+            <a:off x="8948700" y="2278325"/>
+            <a:ext cx="1778223" cy="3551954"/>
+          </a:xfrm>
+          <a:prstGeom prst="rect">
+            <a:avLst/>
+          </a:prstGeom>
+        </p:spPr>
+      </p:pic>
     </p:spTree>
     <p:extLst>
       <p:ext uri="{BB962C8B-B14F-4D97-AF65-F5344CB8AC3E}">
-        <p14:creationId xmlns:p14="http://schemas.microsoft.com/office/powerpoint/2010/main" val="2458837104"/>
+        <p14:creationId xmlns:p14="http://schemas.microsoft.com/office/powerpoint/2010/main" val="3998152330"/>
       </p:ext>
     </p:extLst>
   </p:cSld>
@@ -4193,7 +3593,7 @@
 </p:sld>
 </file>
 
-<file path=ppt/slides/slide6.xml><?xml version="1.0" encoding="utf-8"?>
+<file path=ppt/slides/slide2.xml><?xml version="1.0" encoding="utf-8"?>
 <p:sld xmlns:a="http://schemas.openxmlformats.org/drawingml/2006/main" xmlns:r="http://schemas.openxmlformats.org/officeDocument/2006/relationships" xmlns:p="http://schemas.openxmlformats.org/presentationml/2006/main">
   <p:cSld>
     <p:spTree>
@@ -4212,6 +3612,362 @@
       </p:grpSpPr>
       <p:sp>
         <p:nvSpPr>
+          <p:cNvPr id="2" name="Title 1">
+            <a:extLst>
+              <a:ext uri="{FF2B5EF4-FFF2-40B4-BE49-F238E27FC236}">
+                <a16:creationId xmlns:a16="http://schemas.microsoft.com/office/drawing/2014/main" id="{5D09FF29-C8E0-5B43-9DB4-876C438F4C13}"/>
+              </a:ext>
+            </a:extLst>
+          </p:cNvPr>
+          <p:cNvSpPr>
+            <a:spLocks noGrp="1"/>
+          </p:cNvSpPr>
+          <p:nvPr>
+            <p:ph type="title"/>
+          </p:nvPr>
+        </p:nvSpPr>
+        <p:spPr/>
+        <p:txBody>
+          <a:bodyPr/>
+          <a:lstStyle/>
+          <a:p>
+            <a:r>
+              <a:rPr lang="en-US" dirty="0">
+                <a:latin typeface="Helvetica" pitchFamily="2" charset="0"/>
+              </a:rPr>
+              <a:t>Introduction </a:t>
+            </a:r>
+          </a:p>
+        </p:txBody>
+      </p:sp>
+      <p:sp>
+        <p:nvSpPr>
+          <p:cNvPr id="3" name="Content Placeholder 2">
+            <a:extLst>
+              <a:ext uri="{FF2B5EF4-FFF2-40B4-BE49-F238E27FC236}">
+                <a16:creationId xmlns:a16="http://schemas.microsoft.com/office/drawing/2014/main" id="{E4D82A21-998C-B944-8459-2D197F8C1C9D}"/>
+              </a:ext>
+            </a:extLst>
+          </p:cNvPr>
+          <p:cNvSpPr>
+            <a:spLocks noGrp="1"/>
+          </p:cNvSpPr>
+          <p:nvPr>
+            <p:ph idx="1"/>
+          </p:nvPr>
+        </p:nvSpPr>
+        <p:spPr/>
+        <p:txBody>
+          <a:bodyPr/>
+          <a:lstStyle/>
+          <a:p>
+            <a:r>
+              <a:rPr lang="en-US" dirty="0">
+                <a:latin typeface="Helvetica Neue" panose="02000503000000020004" pitchFamily="2" charset="0"/>
+                <a:ea typeface="Helvetica Neue" panose="02000503000000020004" pitchFamily="2" charset="0"/>
+                <a:cs typeface="Helvetica Neue" panose="02000503000000020004" pitchFamily="2" charset="0"/>
+              </a:rPr>
+              <a:t>Introduction to common ionic </a:t>
+            </a:r>
+            <a:r>
+              <a:rPr lang="en-US" dirty="0" err="1">
+                <a:latin typeface="Helvetica Neue" panose="02000503000000020004" pitchFamily="2" charset="0"/>
+                <a:ea typeface="Helvetica Neue" panose="02000503000000020004" pitchFamily="2" charset="0"/>
+                <a:cs typeface="Helvetica Neue" panose="02000503000000020004" pitchFamily="2" charset="0"/>
+              </a:rPr>
+              <a:t>cordova</a:t>
+            </a:r>
+            <a:r>
+              <a:rPr lang="en-US" dirty="0">
+                <a:latin typeface="Helvetica Neue" panose="02000503000000020004" pitchFamily="2" charset="0"/>
+                <a:ea typeface="Helvetica Neue" panose="02000503000000020004" pitchFamily="2" charset="0"/>
+                <a:cs typeface="Helvetica Neue" panose="02000503000000020004" pitchFamily="2" charset="0"/>
+              </a:rPr>
+              <a:t> script</a:t>
+            </a:r>
+          </a:p>
+          <a:p>
+            <a:r>
+              <a:rPr lang="en-US" dirty="0">
+                <a:latin typeface="Helvetica Neue" panose="02000503000000020004" pitchFamily="2" charset="0"/>
+                <a:ea typeface="Helvetica Neue" panose="02000503000000020004" pitchFamily="2" charset="0"/>
+                <a:cs typeface="Helvetica Neue" panose="02000503000000020004" pitchFamily="2" charset="0"/>
+              </a:rPr>
+              <a:t>Adding the platform to the project</a:t>
+            </a:r>
+          </a:p>
+          <a:p>
+            <a:r>
+              <a:rPr lang="en-US" dirty="0">
+                <a:latin typeface="Helvetica Neue" panose="02000503000000020004" pitchFamily="2" charset="0"/>
+                <a:ea typeface="Helvetica Neue" panose="02000503000000020004" pitchFamily="2" charset="0"/>
+                <a:cs typeface="Helvetica Neue" panose="02000503000000020004" pitchFamily="2" charset="0"/>
+              </a:rPr>
+              <a:t>Checking the project requirements</a:t>
+            </a:r>
+          </a:p>
+          <a:p>
+            <a:r>
+              <a:rPr lang="en-US" dirty="0">
+                <a:latin typeface="Helvetica Neue" panose="02000503000000020004" pitchFamily="2" charset="0"/>
+                <a:ea typeface="Helvetica Neue" panose="02000503000000020004" pitchFamily="2" charset="0"/>
+                <a:cs typeface="Helvetica Neue" panose="02000503000000020004" pitchFamily="2" charset="0"/>
+              </a:rPr>
+              <a:t>Preparing Emulator or devices</a:t>
+            </a:r>
+            <a:endParaRPr lang="en-US" dirty="0">
+              <a:latin typeface="Helvetica Neue" panose="02000503000000020004" pitchFamily="2" charset="0"/>
+              <a:ea typeface="Helvetica Neue" panose="02000503000000020004" pitchFamily="2" charset="0"/>
+              <a:cs typeface="Helvetica Neue" panose="02000503000000020004" pitchFamily="2" charset="0"/>
+            </a:endParaRPr>
+          </a:p>
+          <a:p>
+            <a:r>
+              <a:rPr lang="en-US" dirty="0">
+                <a:latin typeface="Helvetica Neue" panose="02000503000000020004" pitchFamily="2" charset="0"/>
+                <a:ea typeface="Helvetica Neue" panose="02000503000000020004" pitchFamily="2" charset="0"/>
+                <a:cs typeface="Helvetica Neue" panose="02000503000000020004" pitchFamily="2" charset="0"/>
+              </a:rPr>
+              <a:t>Building Profiles and Push Profiles (Deployed to emulator or device)</a:t>
+            </a:r>
+          </a:p>
+          <a:p>
+            <a:endParaRPr lang="en-US" dirty="0">
+              <a:latin typeface="Helvetica Neue" panose="02000503000000020004" pitchFamily="2" charset="0"/>
+              <a:ea typeface="Helvetica Neue" panose="02000503000000020004" pitchFamily="2" charset="0"/>
+              <a:cs typeface="Helvetica Neue" panose="02000503000000020004" pitchFamily="2" charset="0"/>
+            </a:endParaRPr>
+          </a:p>
+        </p:txBody>
+      </p:sp>
+    </p:spTree>
+    <p:extLst>
+      <p:ext uri="{BB962C8B-B14F-4D97-AF65-F5344CB8AC3E}">
+        <p14:creationId xmlns:p14="http://schemas.microsoft.com/office/powerpoint/2010/main" val="636320602"/>
+      </p:ext>
+    </p:extLst>
+  </p:cSld>
+  <p:clrMapOvr>
+    <a:masterClrMapping/>
+  </p:clrMapOvr>
+</p:sld>
+</file>
+
+<file path=ppt/slides/slide3.xml><?xml version="1.0" encoding="utf-8"?>
+<p:sld xmlns:a="http://schemas.openxmlformats.org/drawingml/2006/main" xmlns:r="http://schemas.openxmlformats.org/officeDocument/2006/relationships" xmlns:p="http://schemas.openxmlformats.org/presentationml/2006/main">
+  <p:cSld>
+    <p:spTree>
+      <p:nvGrpSpPr>
+        <p:cNvPr id="1" name=""/>
+        <p:cNvGrpSpPr/>
+        <p:nvPr/>
+      </p:nvGrpSpPr>
+      <p:grpSpPr>
+        <a:xfrm>
+          <a:off x="0" y="0"/>
+          <a:ext cx="0" cy="0"/>
+          <a:chOff x="0" y="0"/>
+          <a:chExt cx="0" cy="0"/>
+        </a:xfrm>
+      </p:grpSpPr>
+      <p:sp>
+        <p:nvSpPr>
+          <p:cNvPr id="2" name="Title 1"/>
+          <p:cNvSpPr>
+            <a:spLocks noGrp="1"/>
+          </p:cNvSpPr>
+          <p:nvPr>
+            <p:ph type="title"/>
+          </p:nvPr>
+        </p:nvSpPr>
+        <p:spPr/>
+        <p:txBody>
+          <a:bodyPr/>
+          <a:lstStyle/>
+          <a:p>
+            <a:r>
+              <a:rPr lang="en-SG" dirty="0"/>
+              <a:t>Open CMD or </a:t>
+            </a:r>
+            <a:r>
+              <a:rPr lang="en-SG" dirty="0" err="1"/>
+              <a:t>Powershell</a:t>
+            </a:r>
+            <a:r>
+              <a:rPr lang="en-SG" dirty="0"/>
+              <a:t> and navigate to project directory</a:t>
+            </a:r>
+          </a:p>
+        </p:txBody>
+      </p:sp>
+      <p:sp>
+        <p:nvSpPr>
+          <p:cNvPr id="3" name="Content Placeholder 2"/>
+          <p:cNvSpPr>
+            <a:spLocks noGrp="1"/>
+          </p:cNvSpPr>
+          <p:nvPr>
+            <p:ph idx="1"/>
+          </p:nvPr>
+        </p:nvSpPr>
+        <p:spPr/>
+        <p:txBody>
+          <a:bodyPr>
+            <a:normAutofit lnSpcReduction="10000"/>
+          </a:bodyPr>
+          <a:lstStyle/>
+          <a:p>
+            <a:r>
+              <a:rPr lang="en-US" dirty="0">
+                <a:latin typeface="Helvetica Neue" panose="02000503000000020004" pitchFamily="2" charset="0"/>
+                <a:ea typeface="Helvetica Neue" panose="02000503000000020004" pitchFamily="2" charset="0"/>
+                <a:cs typeface="Helvetica Neue" panose="02000503000000020004" pitchFamily="2" charset="0"/>
+              </a:rPr>
+              <a:t>Open Explorer and navigate to the project</a:t>
+            </a:r>
+          </a:p>
+          <a:p>
+            <a:r>
+              <a:rPr lang="en-US" dirty="0">
+                <a:latin typeface="Helvetica Neue" panose="02000503000000020004" pitchFamily="2" charset="0"/>
+                <a:ea typeface="Helvetica Neue" panose="02000503000000020004" pitchFamily="2" charset="0"/>
+                <a:cs typeface="Helvetica Neue" panose="02000503000000020004" pitchFamily="2" charset="0"/>
+              </a:rPr>
+              <a:t>Shift + right-click </a:t>
+            </a:r>
+          </a:p>
+          <a:p>
+            <a:r>
+              <a:rPr lang="en-US" dirty="0">
+                <a:latin typeface="Helvetica Neue" panose="02000503000000020004" pitchFamily="2" charset="0"/>
+                <a:ea typeface="Helvetica Neue" panose="02000503000000020004" pitchFamily="2" charset="0"/>
+                <a:cs typeface="Helvetica Neue" panose="02000503000000020004" pitchFamily="2" charset="0"/>
+              </a:rPr>
+              <a:t>Choose ‘open command window here’ or  ‘open </a:t>
+            </a:r>
+            <a:r>
+              <a:rPr lang="en-US" dirty="0" err="1">
+                <a:latin typeface="Helvetica Neue" panose="02000503000000020004" pitchFamily="2" charset="0"/>
+                <a:ea typeface="Helvetica Neue" panose="02000503000000020004" pitchFamily="2" charset="0"/>
+                <a:cs typeface="Helvetica Neue" panose="02000503000000020004" pitchFamily="2" charset="0"/>
+              </a:rPr>
+              <a:t>powershell</a:t>
+            </a:r>
+            <a:r>
+              <a:rPr lang="en-US" dirty="0">
+                <a:latin typeface="Helvetica Neue" panose="02000503000000020004" pitchFamily="2" charset="0"/>
+                <a:ea typeface="Helvetica Neue" panose="02000503000000020004" pitchFamily="2" charset="0"/>
+                <a:cs typeface="Helvetica Neue" panose="02000503000000020004" pitchFamily="2" charset="0"/>
+              </a:rPr>
+              <a:t> window here’</a:t>
+            </a:r>
+          </a:p>
+          <a:p>
+            <a:endParaRPr lang="en-US" dirty="0">
+              <a:latin typeface="Helvetica Neue" panose="02000503000000020004" pitchFamily="2" charset="0"/>
+              <a:ea typeface="Helvetica Neue" panose="02000503000000020004" pitchFamily="2" charset="0"/>
+              <a:cs typeface="Helvetica Neue" panose="02000503000000020004" pitchFamily="2" charset="0"/>
+            </a:endParaRPr>
+          </a:p>
+          <a:p>
+            <a:pPr marL="0" indent="0">
+              <a:buNone/>
+            </a:pPr>
+            <a:r>
+              <a:rPr lang="en-US" dirty="0">
+                <a:latin typeface="Helvetica Neue" panose="02000503000000020004" pitchFamily="2" charset="0"/>
+                <a:ea typeface="Helvetica Neue" panose="02000503000000020004" pitchFamily="2" charset="0"/>
+                <a:cs typeface="Helvetica Neue" panose="02000503000000020004" pitchFamily="2" charset="0"/>
+              </a:rPr>
+              <a:t>For advanced user (windows 8 and later)</a:t>
+            </a:r>
+          </a:p>
+          <a:p>
+            <a:r>
+              <a:rPr lang="en-US" dirty="0">
+                <a:latin typeface="Helvetica Neue" panose="02000503000000020004" pitchFamily="2" charset="0"/>
+                <a:ea typeface="Helvetica Neue" panose="02000503000000020004" pitchFamily="2" charset="0"/>
+                <a:cs typeface="Helvetica Neue" panose="02000503000000020004" pitchFamily="2" charset="0"/>
+              </a:rPr>
+              <a:t>Press Window + X</a:t>
+            </a:r>
+          </a:p>
+          <a:p>
+            <a:r>
+              <a:rPr lang="en-US" dirty="0">
+                <a:latin typeface="Helvetica Neue" panose="02000503000000020004" pitchFamily="2" charset="0"/>
+                <a:ea typeface="Helvetica Neue" panose="02000503000000020004" pitchFamily="2" charset="0"/>
+                <a:cs typeface="Helvetica Neue" panose="02000503000000020004" pitchFamily="2" charset="0"/>
+              </a:rPr>
+              <a:t>Press A</a:t>
+            </a:r>
+          </a:p>
+          <a:p>
+            <a:r>
+              <a:rPr lang="en-US" dirty="0">
+                <a:latin typeface="Helvetica Neue" panose="02000503000000020004" pitchFamily="2" charset="0"/>
+                <a:ea typeface="Helvetica Neue" panose="02000503000000020004" pitchFamily="2" charset="0"/>
+                <a:cs typeface="Helvetica Neue" panose="02000503000000020004" pitchFamily="2" charset="0"/>
+              </a:rPr>
+              <a:t>Cd &lt;</a:t>
+            </a:r>
+            <a:r>
+              <a:rPr lang="en-US" dirty="0" err="1">
+                <a:latin typeface="Helvetica Neue" panose="02000503000000020004" pitchFamily="2" charset="0"/>
+                <a:ea typeface="Helvetica Neue" panose="02000503000000020004" pitchFamily="2" charset="0"/>
+                <a:cs typeface="Helvetica Neue" panose="02000503000000020004" pitchFamily="2" charset="0"/>
+              </a:rPr>
+              <a:t>project_directory</a:t>
+            </a:r>
+            <a:r>
+              <a:rPr lang="en-US" dirty="0">
+                <a:latin typeface="Helvetica Neue" panose="02000503000000020004" pitchFamily="2" charset="0"/>
+                <a:ea typeface="Helvetica Neue" panose="02000503000000020004" pitchFamily="2" charset="0"/>
+                <a:cs typeface="Helvetica Neue" panose="02000503000000020004" pitchFamily="2" charset="0"/>
+              </a:rPr>
+              <a:t>&gt; </a:t>
+            </a:r>
+          </a:p>
+          <a:p>
+            <a:pPr marL="0" indent="0">
+              <a:buNone/>
+            </a:pPr>
+            <a:endParaRPr lang="en-SG" dirty="0"/>
+          </a:p>
+        </p:txBody>
+      </p:sp>
+    </p:spTree>
+    <p:extLst>
+      <p:ext uri="{BB962C8B-B14F-4D97-AF65-F5344CB8AC3E}">
+        <p14:creationId xmlns:p14="http://schemas.microsoft.com/office/powerpoint/2010/main" val="2458837104"/>
+      </p:ext>
+    </p:extLst>
+  </p:cSld>
+  <p:clrMapOvr>
+    <a:masterClrMapping/>
+  </p:clrMapOvr>
+</p:sld>
+</file>
+
+<file path=ppt/slides/slide4.xml><?xml version="1.0" encoding="utf-8"?>
+<p:sld xmlns:a="http://schemas.openxmlformats.org/drawingml/2006/main" xmlns:r="http://schemas.openxmlformats.org/officeDocument/2006/relationships" xmlns:p="http://schemas.openxmlformats.org/presentationml/2006/main">
+  <p:cSld>
+    <p:spTree>
+      <p:nvGrpSpPr>
+        <p:cNvPr id="1" name=""/>
+        <p:cNvGrpSpPr/>
+        <p:nvPr/>
+      </p:nvGrpSpPr>
+      <p:grpSpPr>
+        <a:xfrm>
+          <a:off x="0" y="0"/>
+          <a:ext cx="0" cy="0"/>
+          <a:chOff x="0" y="0"/>
+          <a:chExt cx="0" cy="0"/>
+        </a:xfrm>
+      </p:grpSpPr>
+      <p:sp>
+        <p:nvSpPr>
           <p:cNvPr id="2" name="Title 1"/>
           <p:cNvSpPr>
             <a:spLocks noGrp="1"/>
@@ -4233,7 +3989,15 @@
             <a:pPr algn="ctr"/>
             <a:r>
               <a:rPr lang="en-SG" dirty="0"/>
-              <a:t>The following step will be in a command window</a:t>
+              <a:t>Common ionic </a:t>
+            </a:r>
+            <a:r>
+              <a:rPr lang="en-SG" dirty="0" err="1"/>
+              <a:t>cordova</a:t>
+            </a:r>
+            <a:r>
+              <a:rPr lang="en-SG" dirty="0"/>
+              <a:t> script</a:t>
             </a:r>
           </a:p>
         </p:txBody>
@@ -4255,7 +4019,9 @@
           </a:xfrm>
         </p:spPr>
         <p:txBody>
-          <a:bodyPr/>
+          <a:bodyPr>
+            <a:normAutofit/>
+          </a:bodyPr>
           <a:lstStyle/>
           <a:p>
             <a:r>
@@ -4292,14 +4058,31 @@
               <a:t>cordova</a:t>
             </a:r>
             <a:r>
+              <a:rPr lang="en-SG"/>
+              <a:t> requirements</a:t>
+            </a:r>
+            <a:endParaRPr lang="en-SG" dirty="0"/>
+          </a:p>
+          <a:p>
+            <a:r>
               <a:rPr lang="en-SG" dirty="0"/>
-              <a:t> requirements</a:t>
-            </a:r>
-          </a:p>
-          <a:p>
+              <a:t>Ionic </a:t>
+            </a:r>
+            <a:r>
+              <a:rPr lang="en-SG" dirty="0" err="1"/>
+              <a:t>cordova</a:t>
+            </a:r>
             <a:r>
               <a:rPr lang="en-SG" dirty="0"/>
-              <a:t>Ionic emulate android / ionic run android </a:t>
+              <a:t> run android / ionic </a:t>
+            </a:r>
+            <a:r>
+              <a:rPr lang="en-SG" dirty="0" err="1"/>
+              <a:t>cordova</a:t>
+            </a:r>
+            <a:r>
+              <a:rPr lang="en-SG" dirty="0"/>
+              <a:t> emulate android </a:t>
             </a:r>
           </a:p>
         </p:txBody>
@@ -4317,7 +4100,7 @@
 </p:sld>
 </file>
 
-<file path=ppt/slides/slide7.xml><?xml version="1.0" encoding="utf-8"?>
+<file path=ppt/slides/slide5.xml><?xml version="1.0" encoding="utf-8"?>
 <p:sld xmlns:a="http://schemas.openxmlformats.org/drawingml/2006/main" xmlns:r="http://schemas.openxmlformats.org/officeDocument/2006/relationships" xmlns:p="http://schemas.openxmlformats.org/presentationml/2006/main">
   <p:cSld>
     <p:spTree>
@@ -4472,7 +4255,7 @@
 </p:sld>
 </file>
 
-<file path=ppt/slides/slide8.xml><?xml version="1.0" encoding="utf-8"?>
+<file path=ppt/slides/slide6.xml><?xml version="1.0" encoding="utf-8"?>
 <p:sld xmlns:a="http://schemas.openxmlformats.org/drawingml/2006/main" xmlns:r="http://schemas.openxmlformats.org/officeDocument/2006/relationships" xmlns:p="http://schemas.openxmlformats.org/presentationml/2006/main">
   <p:cSld>
     <p:spTree>
@@ -4501,31 +4284,50 @@
         </p:nvSpPr>
         <p:spPr/>
         <p:txBody>
-          <a:bodyPr/>
-          <a:lstStyle/>
-          <a:p>
+          <a:bodyPr>
+            <a:normAutofit/>
+          </a:bodyPr>
+          <a:lstStyle/>
+          <a:p>
+            <a:br>
+              <a:rPr lang="en-US" dirty="0"/>
+            </a:br>
+            <a:r>
+              <a:rPr lang="en-US" dirty="0">
+                <a:latin typeface="Helvetica Neue" panose="02000503000000020004" pitchFamily="2" charset="0"/>
+                <a:ea typeface="Helvetica Neue" panose="02000503000000020004" pitchFamily="2" charset="0"/>
+                <a:cs typeface="Helvetica Neue" panose="02000503000000020004" pitchFamily="2" charset="0"/>
+              </a:rPr>
+              <a:t>Adding the platform to the project</a:t>
+            </a:r>
+            <a:endParaRPr lang="en-SG" dirty="0"/>
+          </a:p>
+        </p:txBody>
+      </p:sp>
+      <p:sp>
+        <p:nvSpPr>
+          <p:cNvPr id="3" name="Content Placeholder 2"/>
+          <p:cNvSpPr>
+            <a:spLocks noGrp="1"/>
+          </p:cNvSpPr>
+          <p:nvPr>
+            <p:ph idx="1"/>
+          </p:nvPr>
+        </p:nvSpPr>
+        <p:spPr/>
+        <p:txBody>
+          <a:bodyPr/>
+          <a:lstStyle/>
+          <a:p>
+            <a:pPr marL="0" indent="0">
+              <a:buNone/>
+            </a:pPr>
             <a:r>
               <a:rPr lang="en-US" dirty="0"/>
               <a:t>Command: ionic platform add &lt;platform&gt;</a:t>
             </a:r>
-            <a:endParaRPr lang="en-SG" dirty="0"/>
-          </a:p>
-        </p:txBody>
-      </p:sp>
-      <p:sp>
-        <p:nvSpPr>
-          <p:cNvPr id="3" name="Content Placeholder 2"/>
-          <p:cNvSpPr>
-            <a:spLocks noGrp="1"/>
-          </p:cNvSpPr>
-          <p:nvPr>
-            <p:ph idx="1"/>
-          </p:nvPr>
-        </p:nvSpPr>
-        <p:spPr/>
-        <p:txBody>
-          <a:bodyPr/>
-          <a:lstStyle/>
+            <a:endParaRPr lang="en-SG" b="1" dirty="0"/>
+          </a:p>
           <a:p>
             <a:r>
               <a:rPr lang="en-SG" b="1" dirty="0"/>
@@ -4574,7 +4376,7 @@
         </p:blipFill>
         <p:spPr>
           <a:xfrm>
-            <a:off x="4174141" y="1704342"/>
+            <a:off x="3616457" y="2442896"/>
             <a:ext cx="3843717" cy="1939054"/>
           </a:xfrm>
           <a:prstGeom prst="rect">
@@ -4598,7 +4400,7 @@
         </p:blipFill>
         <p:spPr>
           <a:xfrm>
-            <a:off x="7017317" y="3897540"/>
+            <a:off x="7780992" y="3792032"/>
             <a:ext cx="3495759" cy="1853341"/>
           </a:xfrm>
           <a:prstGeom prst="rect">
@@ -4610,6 +4412,275 @@
     <p:extLst>
       <p:ext uri="{BB962C8B-B14F-4D97-AF65-F5344CB8AC3E}">
         <p14:creationId xmlns:p14="http://schemas.microsoft.com/office/powerpoint/2010/main" val="301828454"/>
+      </p:ext>
+    </p:extLst>
+  </p:cSld>
+  <p:clrMapOvr>
+    <a:masterClrMapping/>
+  </p:clrMapOvr>
+</p:sld>
+</file>
+
+<file path=ppt/slides/slide7.xml><?xml version="1.0" encoding="utf-8"?>
+<p:sld xmlns:a="http://schemas.openxmlformats.org/drawingml/2006/main" xmlns:r="http://schemas.openxmlformats.org/officeDocument/2006/relationships" xmlns:p="http://schemas.openxmlformats.org/presentationml/2006/main">
+  <p:cSld>
+    <p:spTree>
+      <p:nvGrpSpPr>
+        <p:cNvPr id="1" name=""/>
+        <p:cNvGrpSpPr/>
+        <p:nvPr/>
+      </p:nvGrpSpPr>
+      <p:grpSpPr>
+        <a:xfrm>
+          <a:off x="0" y="0"/>
+          <a:ext cx="0" cy="0"/>
+          <a:chOff x="0" y="0"/>
+          <a:chExt cx="0" cy="0"/>
+        </a:xfrm>
+      </p:grpSpPr>
+      <p:sp>
+        <p:nvSpPr>
+          <p:cNvPr id="2" name="Title 1"/>
+          <p:cNvSpPr>
+            <a:spLocks noGrp="1"/>
+          </p:cNvSpPr>
+          <p:nvPr>
+            <p:ph type="title"/>
+          </p:nvPr>
+        </p:nvSpPr>
+        <p:spPr/>
+        <p:txBody>
+          <a:bodyPr/>
+          <a:lstStyle/>
+          <a:p>
+            <a:r>
+              <a:rPr lang="en-US" dirty="0">
+                <a:latin typeface="Helvetica Neue" panose="02000503000000020004" pitchFamily="2" charset="0"/>
+                <a:ea typeface="Helvetica Neue" panose="02000503000000020004" pitchFamily="2" charset="0"/>
+                <a:cs typeface="Helvetica Neue" panose="02000503000000020004" pitchFamily="2" charset="0"/>
+              </a:rPr>
+              <a:t>Checking the project requirements</a:t>
+            </a:r>
+            <a:endParaRPr lang="en-SG" dirty="0"/>
+          </a:p>
+        </p:txBody>
+      </p:sp>
+      <p:sp>
+        <p:nvSpPr>
+          <p:cNvPr id="3" name="Content Placeholder 2"/>
+          <p:cNvSpPr>
+            <a:spLocks noGrp="1"/>
+          </p:cNvSpPr>
+          <p:nvPr>
+            <p:ph idx="1"/>
+          </p:nvPr>
+        </p:nvSpPr>
+        <p:spPr/>
+        <p:txBody>
+          <a:bodyPr/>
+          <a:lstStyle/>
+          <a:p>
+            <a:r>
+              <a:rPr lang="en-US" dirty="0"/>
+              <a:t>Command: ionic </a:t>
+            </a:r>
+            <a:r>
+              <a:rPr lang="en-US" dirty="0" err="1"/>
+              <a:t>cordova</a:t>
+            </a:r>
+            <a:r>
+              <a:rPr lang="en-US" dirty="0"/>
+              <a:t> requirements</a:t>
+            </a:r>
+            <a:endParaRPr lang="en-SG" dirty="0"/>
+          </a:p>
+          <a:p>
+            <a:r>
+              <a:rPr lang="en-SG" dirty="0"/>
+              <a:t>Check for requirements to build the project</a:t>
+            </a:r>
+          </a:p>
+        </p:txBody>
+      </p:sp>
+      <p:pic>
+        <p:nvPicPr>
+          <p:cNvPr id="4" name="Picture 3"/>
+          <p:cNvPicPr>
+            <a:picLocks noChangeAspect="1"/>
+          </p:cNvPicPr>
+          <p:nvPr/>
+        </p:nvPicPr>
+        <p:blipFill>
+          <a:blip r:embed="rId2"/>
+          <a:stretch>
+            <a:fillRect/>
+          </a:stretch>
+        </p:blipFill>
+        <p:spPr>
+          <a:xfrm>
+            <a:off x="514480" y="3068039"/>
+            <a:ext cx="11317517" cy="3178997"/>
+          </a:xfrm>
+          <a:prstGeom prst="rect">
+            <a:avLst/>
+          </a:prstGeom>
+        </p:spPr>
+      </p:pic>
+    </p:spTree>
+    <p:extLst>
+      <p:ext uri="{BB962C8B-B14F-4D97-AF65-F5344CB8AC3E}">
+        <p14:creationId xmlns:p14="http://schemas.microsoft.com/office/powerpoint/2010/main" val="3668876188"/>
+      </p:ext>
+    </p:extLst>
+  </p:cSld>
+  <p:clrMapOvr>
+    <a:masterClrMapping/>
+  </p:clrMapOvr>
+</p:sld>
+</file>
+
+<file path=ppt/slides/slide8.xml><?xml version="1.0" encoding="utf-8"?>
+<p:sld xmlns:a="http://schemas.openxmlformats.org/drawingml/2006/main" xmlns:r="http://schemas.openxmlformats.org/officeDocument/2006/relationships" xmlns:p="http://schemas.openxmlformats.org/presentationml/2006/main">
+  <p:cSld>
+    <p:spTree>
+      <p:nvGrpSpPr>
+        <p:cNvPr id="1" name=""/>
+        <p:cNvGrpSpPr/>
+        <p:nvPr/>
+      </p:nvGrpSpPr>
+      <p:grpSpPr>
+        <a:xfrm>
+          <a:off x="0" y="0"/>
+          <a:ext cx="0" cy="0"/>
+          <a:chOff x="0" y="0"/>
+          <a:chExt cx="0" cy="0"/>
+        </a:xfrm>
+      </p:grpSpPr>
+      <p:sp>
+        <p:nvSpPr>
+          <p:cNvPr id="2" name="Title 1"/>
+          <p:cNvSpPr>
+            <a:spLocks noGrp="1"/>
+          </p:cNvSpPr>
+          <p:nvPr>
+            <p:ph type="title"/>
+          </p:nvPr>
+        </p:nvSpPr>
+        <p:spPr/>
+        <p:txBody>
+          <a:bodyPr/>
+          <a:lstStyle/>
+          <a:p>
+            <a:r>
+              <a:rPr lang="en-SG" b="1" dirty="0"/>
+              <a:t>Preparing emulator (GUI)</a:t>
+            </a:r>
+          </a:p>
+        </p:txBody>
+      </p:sp>
+      <p:sp>
+        <p:nvSpPr>
+          <p:cNvPr id="3" name="Content Placeholder 2"/>
+          <p:cNvSpPr>
+            <a:spLocks noGrp="1"/>
+          </p:cNvSpPr>
+          <p:nvPr>
+            <p:ph idx="1"/>
+          </p:nvPr>
+        </p:nvSpPr>
+        <p:spPr/>
+        <p:txBody>
+          <a:bodyPr/>
+          <a:lstStyle/>
+          <a:p>
+            <a:r>
+              <a:rPr lang="en-SG" dirty="0"/>
+              <a:t>Open an </a:t>
+            </a:r>
+            <a:r>
+              <a:rPr lang="en-SG" b="1" dirty="0"/>
+              <a:t>Android Studio Project</a:t>
+            </a:r>
+          </a:p>
+          <a:p>
+            <a:r>
+              <a:rPr lang="en-US" dirty="0"/>
+              <a:t>Import the android project</a:t>
+            </a:r>
+            <a:endParaRPr lang="en-SG" dirty="0"/>
+          </a:p>
+          <a:p>
+            <a:r>
+              <a:rPr lang="en-SG" dirty="0"/>
+              <a:t>Select Tools &gt; AVD Manager</a:t>
+            </a:r>
+          </a:p>
+          <a:p>
+            <a:r>
+              <a:rPr lang="en-SG" dirty="0"/>
+              <a:t>Create a new emulator</a:t>
+            </a:r>
+          </a:p>
+          <a:p>
+            <a:r>
+              <a:rPr lang="en-SG" dirty="0"/>
+              <a:t>Launch emulator</a:t>
+            </a:r>
+          </a:p>
+        </p:txBody>
+      </p:sp>
+      <p:pic>
+        <p:nvPicPr>
+          <p:cNvPr id="5" name="Picture 4"/>
+          <p:cNvPicPr>
+            <a:picLocks noChangeAspect="1"/>
+          </p:cNvPicPr>
+          <p:nvPr/>
+        </p:nvPicPr>
+        <p:blipFill>
+          <a:blip r:embed="rId2"/>
+          <a:stretch>
+            <a:fillRect/>
+          </a:stretch>
+        </p:blipFill>
+        <p:spPr>
+          <a:xfrm>
+            <a:off x="5977156" y="1381130"/>
+            <a:ext cx="6091199" cy="3368675"/>
+          </a:xfrm>
+          <a:prstGeom prst="rect">
+            <a:avLst/>
+          </a:prstGeom>
+        </p:spPr>
+      </p:pic>
+      <p:pic>
+        <p:nvPicPr>
+          <p:cNvPr id="6" name="Picture 5"/>
+          <p:cNvPicPr>
+            <a:picLocks noChangeAspect="1"/>
+          </p:cNvPicPr>
+          <p:nvPr/>
+        </p:nvPicPr>
+        <p:blipFill>
+          <a:blip r:embed="rId3"/>
+          <a:stretch>
+            <a:fillRect/>
+          </a:stretch>
+        </p:blipFill>
+        <p:spPr>
+          <a:xfrm>
+            <a:off x="597877" y="4884742"/>
+            <a:ext cx="11284584" cy="1292221"/>
+          </a:xfrm>
+          <a:prstGeom prst="rect">
+            <a:avLst/>
+          </a:prstGeom>
+        </p:spPr>
+      </p:pic>
+    </p:spTree>
+    <p:extLst>
+      <p:ext uri="{BB962C8B-B14F-4D97-AF65-F5344CB8AC3E}">
+        <p14:creationId xmlns:p14="http://schemas.microsoft.com/office/powerpoint/2010/main" val="2740417414"/>
       </p:ext>
     </p:extLst>
   </p:cSld>
@@ -4653,15 +4724,7 @@
           <a:p>
             <a:r>
               <a:rPr lang="en-US" dirty="0"/>
-              <a:t>Command: ionic </a:t>
-            </a:r>
-            <a:r>
-              <a:rPr lang="en-US" dirty="0" err="1"/>
-              <a:t>cordova</a:t>
-            </a:r>
-            <a:r>
-              <a:rPr lang="en-US" dirty="0"/>
-              <a:t> requirements</a:t>
+              <a:t>Import existing project</a:t>
             </a:r>
             <a:endParaRPr lang="en-SG" dirty="0"/>
           </a:p>
@@ -4682,10 +4745,7 @@
           <a:bodyPr/>
           <a:lstStyle/>
           <a:p>
-            <a:r>
-              <a:rPr lang="en-SG" dirty="0"/>
-              <a:t>Check for requirements to build the project</a:t>
-            </a:r>
+            <a:endParaRPr lang="en-SG"/>
           </a:p>
         </p:txBody>
       </p:sp>
@@ -4705,8 +4765,32 @@
         </p:blipFill>
         <p:spPr>
           <a:xfrm>
-            <a:off x="625012" y="2530452"/>
-            <a:ext cx="11317517" cy="3178997"/>
+            <a:off x="554688" y="1825625"/>
+            <a:ext cx="5201269" cy="3237559"/>
+          </a:xfrm>
+          <a:prstGeom prst="rect">
+            <a:avLst/>
+          </a:prstGeom>
+        </p:spPr>
+      </p:pic>
+      <p:pic>
+        <p:nvPicPr>
+          <p:cNvPr id="6" name="Picture 5"/>
+          <p:cNvPicPr>
+            <a:picLocks noChangeAspect="1"/>
+          </p:cNvPicPr>
+          <p:nvPr/>
+        </p:nvPicPr>
+        <p:blipFill>
+          <a:blip r:embed="rId3"/>
+          <a:stretch>
+            <a:fillRect/>
+          </a:stretch>
+        </p:blipFill>
+        <p:spPr>
+          <a:xfrm>
+            <a:off x="6425921" y="1403339"/>
+            <a:ext cx="4811105" cy="4464435"/>
           </a:xfrm>
           <a:prstGeom prst="rect">
             <a:avLst/>
@@ -4716,7 +4800,7 @@
     </p:spTree>
     <p:extLst>
       <p:ext uri="{BB962C8B-B14F-4D97-AF65-F5344CB8AC3E}">
-        <p14:creationId xmlns:p14="http://schemas.microsoft.com/office/powerpoint/2010/main" val="3668876188"/>
+        <p14:creationId xmlns:p14="http://schemas.microsoft.com/office/powerpoint/2010/main" val="2729346054"/>
       </p:ext>
     </p:extLst>
   </p:cSld>
